--- a/data/organizacija/001_Organizacija_uvod.pptx
+++ b/data/organizacija/001_Organizacija_uvod.pptx
@@ -209,7 +209,7 @@
             <a:fld id="{1542121D-D7BC-4175-A702-9B7BBD6019B1}" type="datetimeFigureOut">
               <a:rPr lang="sr-Latn-CS" smtClean="0"/>
               <a:pPr/>
-              <a:t>15.9.2019.</a:t>
+              <a:t>16.9.2019.</a:t>
             </a:fld>
             <a:endParaRPr lang="hr-HR"/>
           </a:p>
@@ -752,7 +752,7 @@
             <a:fld id="{FDC1A071-2A74-455A-A49A-8BB21E4AC2F6}" type="datetimeFigureOut">
               <a:rPr lang="sr-Latn-CS" smtClean="0"/>
               <a:pPr/>
-              <a:t>15.9.2019.</a:t>
+              <a:t>16.9.2019.</a:t>
             </a:fld>
             <a:endParaRPr lang="hr-HR"/>
           </a:p>
@@ -950,7 +950,7 @@
             <a:fld id="{FDC1A071-2A74-455A-A49A-8BB21E4AC2F6}" type="datetimeFigureOut">
               <a:rPr lang="sr-Latn-CS" smtClean="0"/>
               <a:pPr/>
-              <a:t>15.9.2019.</a:t>
+              <a:t>16.9.2019.</a:t>
             </a:fld>
             <a:endParaRPr lang="hr-HR"/>
           </a:p>
@@ -1151,7 +1151,7 @@
             <a:fld id="{FDC1A071-2A74-455A-A49A-8BB21E4AC2F6}" type="datetimeFigureOut">
               <a:rPr lang="sr-Latn-CS" smtClean="0"/>
               <a:pPr/>
-              <a:t>15.9.2019.</a:t>
+              <a:t>16.9.2019.</a:t>
             </a:fld>
             <a:endParaRPr lang="hr-HR"/>
           </a:p>
@@ -1610,7 +1610,7 @@
             <a:fld id="{FDC1A071-2A74-455A-A49A-8BB21E4AC2F6}" type="datetimeFigureOut">
               <a:rPr lang="sr-Latn-CS" smtClean="0"/>
               <a:pPr/>
-              <a:t>15.9.2019.</a:t>
+              <a:t>16.9.2019.</a:t>
             </a:fld>
             <a:endParaRPr lang="hr-HR"/>
           </a:p>
@@ -1926,7 +1926,7 @@
             <a:fld id="{FDC1A071-2A74-455A-A49A-8BB21E4AC2F6}" type="datetimeFigureOut">
               <a:rPr lang="sr-Latn-CS" smtClean="0"/>
               <a:pPr/>
-              <a:t>15.9.2019.</a:t>
+              <a:t>16.9.2019.</a:t>
             </a:fld>
             <a:endParaRPr lang="hr-HR"/>
           </a:p>
@@ -2376,7 +2376,7 @@
             <a:fld id="{FDC1A071-2A74-455A-A49A-8BB21E4AC2F6}" type="datetimeFigureOut">
               <a:rPr lang="sr-Latn-CS" smtClean="0"/>
               <a:pPr/>
-              <a:t>15.9.2019.</a:t>
+              <a:t>16.9.2019.</a:t>
             </a:fld>
             <a:endParaRPr lang="hr-HR"/>
           </a:p>
@@ -2522,7 +2522,7 @@
             <a:fld id="{FDC1A071-2A74-455A-A49A-8BB21E4AC2F6}" type="datetimeFigureOut">
               <a:rPr lang="sr-Latn-CS" smtClean="0"/>
               <a:pPr/>
-              <a:t>15.9.2019.</a:t>
+              <a:t>16.9.2019.</a:t>
             </a:fld>
             <a:endParaRPr lang="hr-HR"/>
           </a:p>
@@ -2645,7 +2645,7 @@
             <a:fld id="{FDC1A071-2A74-455A-A49A-8BB21E4AC2F6}" type="datetimeFigureOut">
               <a:rPr lang="sr-Latn-CS" smtClean="0"/>
               <a:pPr/>
-              <a:t>15.9.2019.</a:t>
+              <a:t>16.9.2019.</a:t>
             </a:fld>
             <a:endParaRPr lang="hr-HR"/>
           </a:p>
@@ -2950,7 +2950,7 @@
             <a:fld id="{FDC1A071-2A74-455A-A49A-8BB21E4AC2F6}" type="datetimeFigureOut">
               <a:rPr lang="sr-Latn-CS" smtClean="0"/>
               <a:pPr/>
-              <a:t>15.9.2019.</a:t>
+              <a:t>16.9.2019.</a:t>
             </a:fld>
             <a:endParaRPr lang="hr-HR"/>
           </a:p>
@@ -3228,7 +3228,7 @@
             <a:fld id="{FDC1A071-2A74-455A-A49A-8BB21E4AC2F6}" type="datetimeFigureOut">
               <a:rPr lang="sr-Latn-CS" smtClean="0"/>
               <a:pPr/>
-              <a:t>15.9.2019.</a:t>
+              <a:t>16.9.2019.</a:t>
             </a:fld>
             <a:endParaRPr lang="hr-HR"/>
           </a:p>
@@ -3915,15 +3915,7 @@
             </a:r>
             <a:r>
               <a:rPr lang="hr-HR" sz="2200" dirty="0"/>
-              <a:t>: kuhinja, šank, konobari i </a:t>
-            </a:r>
-            <a:r>
-              <a:rPr lang="hr-HR" sz="2200" dirty="0" err="1"/>
-              <a:t>ubacivač</a:t>
-            </a:r>
-            <a:r>
-              <a:rPr lang="hr-HR" sz="2200" dirty="0"/>
-              <a:t> gostiju</a:t>
+              <a:t>: kuhinja, šank, konobari i ubacivač gostiju</a:t>
             </a:r>
           </a:p>
           <a:p>
@@ -3940,15 +3932,7 @@
             <a:pPr lvl="1"/>
             <a:r>
               <a:rPr lang="hr-HR" sz="2000" dirty="0"/>
-              <a:t>1 kuhar zadužen za </a:t>
-            </a:r>
-            <a:r>
-              <a:rPr lang="hr-HR" sz="2000" dirty="0" err="1"/>
-              <a:t>pizze</a:t>
-            </a:r>
-            <a:r>
-              <a:rPr lang="hr-HR" sz="2000" dirty="0"/>
-              <a:t> i salate i 1 kuhar zadužen za ostalo</a:t>
+              <a:t>1 kuhar zadužen za pizze i salate i 1 kuhar zadužen za ostalo</a:t>
             </a:r>
           </a:p>
           <a:p>
@@ -7907,11 +7891,6 @@
               </a:rPr>
               <a:t>zaradu</a:t>
             </a:r>
-            <a:endParaRPr lang="hr-HR" sz="2400" b="1" dirty="0" smtClean="0">
-              <a:solidFill>
-                <a:srgbClr val="FF0000"/>
-              </a:solidFill>
-            </a:endParaRPr>
           </a:p>
           <a:p>
             <a:pPr lvl="0">
@@ -8557,8 +8536,13 @@
             </a:r>
             <a:r>
               <a:rPr lang="hr-HR" dirty="0" smtClean="0"/>
-              <a:t> – oruđe, alat, sprava, ali i dio ljudskog ili životinjskog tijela</a:t>
-            </a:r>
+              <a:t> – oruđe, alat, sprava, ali i dio ljudskog ili životinjskog </a:t>
+            </a:r>
+            <a:r>
+              <a:rPr lang="hr-HR" dirty="0" smtClean="0"/>
+              <a:t>tijela (organ)</a:t>
+            </a:r>
+            <a:endParaRPr lang="hr-HR" dirty="0" smtClean="0"/>
           </a:p>
           <a:p>
             <a:pPr lvl="0">
@@ -9244,23 +9228,7 @@
             </a:r>
             <a:r>
               <a:rPr lang="hr-HR" dirty="0" smtClean="0"/>
-              <a:t> kojima je cilj </a:t>
-            </a:r>
-            <a:r>
-              <a:rPr lang="hr-HR" dirty="0" smtClean="0"/>
-              <a:t>odgovarajućim </a:t>
-            </a:r>
-            <a:r>
-              <a:rPr lang="hr-HR" dirty="0" smtClean="0"/>
-              <a:t>sredstvima </a:t>
-            </a:r>
-            <a:r>
-              <a:rPr lang="hr-HR" dirty="0" smtClean="0"/>
-              <a:t>ispuniti </a:t>
-            </a:r>
-            <a:r>
-              <a:rPr lang="hr-HR" dirty="0" smtClean="0"/>
-              <a:t>određene zadatke, s najmanjim mogućim naporom na bilo kojem području rada i života</a:t>
+              <a:t> kojima je cilj odgovarajućim sredstvima ispuniti određene zadatke, s najmanjim mogućim naporom na bilo kojem području rada i života</a:t>
             </a:r>
           </a:p>
           <a:p>
@@ -9953,7 +9921,19 @@
             </a:r>
             <a:r>
               <a:rPr lang="hr-HR" dirty="0" smtClean="0"/>
-              <a:t>ostvari određeni zadatak, bilo na području proizvodnje ili pružanja usluga </a:t>
+              <a:t>ostvari određeni </a:t>
+            </a:r>
+            <a:r>
+              <a:rPr lang="hr-HR" b="1" dirty="0" smtClean="0">
+                <a:solidFill>
+                  <a:srgbClr val="FF0000"/>
+                </a:solidFill>
+              </a:rPr>
+              <a:t>zadatak</a:t>
+            </a:r>
+            <a:r>
+              <a:rPr lang="hr-HR" dirty="0" smtClean="0"/>
+              <a:t>, bilo na području proizvodnje ili pružanja usluga </a:t>
             </a:r>
             <a:endParaRPr lang="hr-HR" i="1" dirty="0" smtClean="0"/>
           </a:p>
@@ -10405,11 +10385,19 @@
               </a:spcBef>
             </a:pPr>
             <a:r>
-              <a:rPr lang="hr-HR" b="1" dirty="0" smtClean="0"/>
+              <a:rPr lang="hr-HR" b="1" dirty="0" smtClean="0">
+                <a:solidFill>
+                  <a:srgbClr val="FF0000"/>
+                </a:solidFill>
+              </a:rPr>
               <a:t>osnovni elementi organizacije rada</a:t>
             </a:r>
             <a:r>
-              <a:rPr lang="hr-HR" dirty="0" smtClean="0"/>
+              <a:rPr lang="hr-HR" dirty="0" smtClean="0">
+                <a:solidFill>
+                  <a:srgbClr val="FF0000"/>
+                </a:solidFill>
+              </a:rPr>
               <a:t> </a:t>
             </a:r>
             <a:r>
@@ -11779,23 +11767,55 @@
               </a:spcBef>
             </a:pPr>
             <a:r>
-              <a:rPr lang="hr-HR" sz="2600" b="1" dirty="0" smtClean="0"/>
+              <a:rPr lang="hr-HR" sz="2600" b="1" dirty="0" smtClean="0">
+                <a:solidFill>
+                  <a:srgbClr val="FF0000"/>
+                </a:solidFill>
+              </a:rPr>
               <a:t>voditelj odjela</a:t>
             </a:r>
             <a:r>
+              <a:rPr lang="hr-HR" sz="2600" dirty="0" smtClean="0">
+                <a:solidFill>
+                  <a:srgbClr val="FF0000"/>
+                </a:solidFill>
+              </a:rPr>
+              <a:t> </a:t>
+            </a:r>
+            <a:r>
               <a:rPr lang="hr-HR" sz="2600" dirty="0" smtClean="0"/>
-              <a:t> – rukovodi organizaciju rada u jednom odjelu</a:t>
+              <a:t>– rukovodi organizaciju rada </a:t>
+            </a:r>
+            <a:r>
+              <a:rPr lang="hr-HR" sz="2600" b="1" dirty="0" smtClean="0">
+                <a:solidFill>
+                  <a:srgbClr val="FF0000"/>
+                </a:solidFill>
+              </a:rPr>
+              <a:t>u jednom odjelu</a:t>
             </a:r>
           </a:p>
           <a:p>
             <a:pPr lvl="0"/>
             <a:r>
-              <a:rPr lang="hr-HR" sz="2600" b="1" dirty="0" smtClean="0"/>
+              <a:rPr lang="hr-HR" sz="2600" b="1" dirty="0" smtClean="0">
+                <a:solidFill>
+                  <a:srgbClr val="FF0000"/>
+                </a:solidFill>
+              </a:rPr>
               <a:t>direktor</a:t>
             </a:r>
             <a:r>
               <a:rPr lang="hr-HR" sz="2600" dirty="0" smtClean="0"/>
-              <a:t> – rukovodi organizacijom cijelog poduzeća</a:t>
+              <a:t> – rukovodi organizacijom </a:t>
+            </a:r>
+            <a:r>
+              <a:rPr lang="hr-HR" sz="2600" b="1" dirty="0" smtClean="0">
+                <a:solidFill>
+                  <a:srgbClr val="FF0000"/>
+                </a:solidFill>
+              </a:rPr>
+              <a:t>cijelog poduzeća</a:t>
             </a:r>
           </a:p>
         </p:txBody>
@@ -13321,7 +13341,27 @@
             </a:pPr>
             <a:r>
               <a:rPr lang="hr-HR" sz="2200" dirty="0"/>
-              <a:t>rukovodi organizaciju rada u jednom odjelu</a:t>
+              <a:t>rukovodi organizaciju rada </a:t>
+            </a:r>
+            <a:r>
+              <a:rPr lang="hr-HR" sz="2200" b="1" dirty="0">
+                <a:solidFill>
+                  <a:srgbClr val="FF0000"/>
+                </a:solidFill>
+              </a:rPr>
+              <a:t>u</a:t>
+            </a:r>
+            <a:r>
+              <a:rPr lang="hr-HR" sz="2200" dirty="0"/>
+              <a:t> </a:t>
+            </a:r>
+            <a:r>
+              <a:rPr lang="hr-HR" sz="2200" b="1" dirty="0">
+                <a:solidFill>
+                  <a:srgbClr val="FF0000"/>
+                </a:solidFill>
+              </a:rPr>
+              <a:t>jednom odjelu</a:t>
             </a:r>
           </a:p>
         </p:txBody>
@@ -13334,7 +13374,7 @@
         </p:nvSpPr>
         <p:spPr>
           <a:xfrm>
-            <a:off x="1547664" y="6109085"/>
+            <a:off x="1475656" y="6093296"/>
             <a:ext cx="5073248" cy="430887"/>
           </a:xfrm>
           <a:prstGeom prst="rect">
@@ -13357,9 +13397,54 @@
             </a:r>
             <a:r>
               <a:rPr lang="hr-HR" sz="2200" dirty="0" smtClean="0"/>
-              <a:t>organizacijom cijelog poduzeća</a:t>
-            </a:r>
-            <a:endParaRPr lang="hr-HR" sz="2200" dirty="0"/>
+              <a:t>organizacijom </a:t>
+            </a:r>
+            <a:r>
+              <a:rPr lang="hr-HR" sz="2200" b="1" dirty="0" smtClean="0">
+                <a:solidFill>
+                  <a:srgbClr val="FF0000"/>
+                </a:solidFill>
+              </a:rPr>
+              <a:t>cijelog poduzeća</a:t>
+            </a:r>
+            <a:endParaRPr lang="hr-HR" sz="2200" b="1" dirty="0">
+              <a:solidFill>
+                <a:srgbClr val="FF0000"/>
+              </a:solidFill>
+            </a:endParaRPr>
+          </a:p>
+        </p:txBody>
+      </p:sp>
+      <p:sp>
+        <p:nvSpPr>
+          <p:cNvPr id="11" name="Rectangle 10"/>
+          <p:cNvSpPr/>
+          <p:nvPr/>
+        </p:nvSpPr>
+        <p:spPr>
+          <a:xfrm>
+            <a:off x="7643834" y="188640"/>
+            <a:ext cx="1402948" cy="400110"/>
+          </a:xfrm>
+          <a:prstGeom prst="rect">
+            <a:avLst/>
+          </a:prstGeom>
+        </p:spPr>
+        <p:txBody>
+          <a:bodyPr wrap="none">
+            <a:spAutoFit/>
+          </a:bodyPr>
+          <a:lstStyle/>
+          <a:p>
+            <a:r>
+              <a:rPr lang="hr-HR" sz="2000" i="1" dirty="0">
+                <a:solidFill>
+                  <a:prstClr val="black"/>
+                </a:solidFill>
+              </a:rPr>
+              <a:t>(plan ploče)</a:t>
+            </a:r>
+            <a:endParaRPr lang="hr-HR" dirty="0"/>
           </a:p>
         </p:txBody>
       </p:sp>
@@ -13906,6 +13991,59 @@
                       </p:childTnLst>
                     </p:cTn>
                   </p:par>
+                  <p:par>
+                    <p:cTn id="49" fill="hold">
+                      <p:stCondLst>
+                        <p:cond delay="indefinite"/>
+                      </p:stCondLst>
+                      <p:childTnLst>
+                        <p:par>
+                          <p:cTn id="50" fill="hold">
+                            <p:stCondLst>
+                              <p:cond delay="0"/>
+                            </p:stCondLst>
+                            <p:childTnLst>
+                              <p:par>
+                                <p:cTn id="51" presetID="10" presetClass="entr" presetSubtype="0" fill="hold" grpId="0" nodeType="clickEffect">
+                                  <p:stCondLst>
+                                    <p:cond delay="0"/>
+                                  </p:stCondLst>
+                                  <p:childTnLst>
+                                    <p:set>
+                                      <p:cBhvr>
+                                        <p:cTn id="52" dur="1" fill="hold">
+                                          <p:stCondLst>
+                                            <p:cond delay="0"/>
+                                          </p:stCondLst>
+                                        </p:cTn>
+                                        <p:tgtEl>
+                                          <p:spTgt spid="11"/>
+                                        </p:tgtEl>
+                                        <p:attrNameLst>
+                                          <p:attrName>style.visibility</p:attrName>
+                                        </p:attrNameLst>
+                                      </p:cBhvr>
+                                      <p:to>
+                                        <p:strVal val="visible"/>
+                                      </p:to>
+                                    </p:set>
+                                    <p:animEffect transition="in" filter="fade">
+                                      <p:cBhvr>
+                                        <p:cTn id="53" dur="250"/>
+                                        <p:tgtEl>
+                                          <p:spTgt spid="11"/>
+                                        </p:tgtEl>
+                                      </p:cBhvr>
+                                    </p:animEffect>
+                                  </p:childTnLst>
+                                </p:cTn>
+                              </p:par>
+                            </p:childTnLst>
+                          </p:cTn>
+                        </p:par>
+                      </p:childTnLst>
+                    </p:cTn>
+                  </p:par>
                 </p:childTnLst>
               </p:cTn>
               <p:prevCondLst>
@@ -13935,6 +14073,7 @@
       <p:bldP spid="8" grpId="0" animBg="1"/>
       <p:bldP spid="9" grpId="0"/>
       <p:bldP spid="10" grpId="0"/>
+      <p:bldP spid="11" grpId="0"/>
     </p:bldLst>
   </p:timing>
 </p:sld>

--- a/data/organizacija/001_Organizacija_uvod.pptx
+++ b/data/organizacija/001_Organizacija_uvod.pptx
@@ -209,7 +209,7 @@
             <a:fld id="{1542121D-D7BC-4175-A702-9B7BBD6019B1}" type="datetimeFigureOut">
               <a:rPr lang="sr-Latn-CS" smtClean="0"/>
               <a:pPr/>
-              <a:t>16.9.2019.</a:t>
+              <a:t>18.9.2019.</a:t>
             </a:fld>
             <a:endParaRPr lang="hr-HR"/>
           </a:p>
@@ -752,7 +752,7 @@
             <a:fld id="{FDC1A071-2A74-455A-A49A-8BB21E4AC2F6}" type="datetimeFigureOut">
               <a:rPr lang="sr-Latn-CS" smtClean="0"/>
               <a:pPr/>
-              <a:t>16.9.2019.</a:t>
+              <a:t>18.9.2019.</a:t>
             </a:fld>
             <a:endParaRPr lang="hr-HR"/>
           </a:p>
@@ -950,7 +950,7 @@
             <a:fld id="{FDC1A071-2A74-455A-A49A-8BB21E4AC2F6}" type="datetimeFigureOut">
               <a:rPr lang="sr-Latn-CS" smtClean="0"/>
               <a:pPr/>
-              <a:t>16.9.2019.</a:t>
+              <a:t>18.9.2019.</a:t>
             </a:fld>
             <a:endParaRPr lang="hr-HR"/>
           </a:p>
@@ -1151,7 +1151,7 @@
             <a:fld id="{FDC1A071-2A74-455A-A49A-8BB21E4AC2F6}" type="datetimeFigureOut">
               <a:rPr lang="sr-Latn-CS" smtClean="0"/>
               <a:pPr/>
-              <a:t>16.9.2019.</a:t>
+              <a:t>18.9.2019.</a:t>
             </a:fld>
             <a:endParaRPr lang="hr-HR"/>
           </a:p>
@@ -1610,7 +1610,7 @@
             <a:fld id="{FDC1A071-2A74-455A-A49A-8BB21E4AC2F6}" type="datetimeFigureOut">
               <a:rPr lang="sr-Latn-CS" smtClean="0"/>
               <a:pPr/>
-              <a:t>16.9.2019.</a:t>
+              <a:t>18.9.2019.</a:t>
             </a:fld>
             <a:endParaRPr lang="hr-HR"/>
           </a:p>
@@ -1926,7 +1926,7 @@
             <a:fld id="{FDC1A071-2A74-455A-A49A-8BB21E4AC2F6}" type="datetimeFigureOut">
               <a:rPr lang="sr-Latn-CS" smtClean="0"/>
               <a:pPr/>
-              <a:t>16.9.2019.</a:t>
+              <a:t>18.9.2019.</a:t>
             </a:fld>
             <a:endParaRPr lang="hr-HR"/>
           </a:p>
@@ -2376,7 +2376,7 @@
             <a:fld id="{FDC1A071-2A74-455A-A49A-8BB21E4AC2F6}" type="datetimeFigureOut">
               <a:rPr lang="sr-Latn-CS" smtClean="0"/>
               <a:pPr/>
-              <a:t>16.9.2019.</a:t>
+              <a:t>18.9.2019.</a:t>
             </a:fld>
             <a:endParaRPr lang="hr-HR"/>
           </a:p>
@@ -2522,7 +2522,7 @@
             <a:fld id="{FDC1A071-2A74-455A-A49A-8BB21E4AC2F6}" type="datetimeFigureOut">
               <a:rPr lang="sr-Latn-CS" smtClean="0"/>
               <a:pPr/>
-              <a:t>16.9.2019.</a:t>
+              <a:t>18.9.2019.</a:t>
             </a:fld>
             <a:endParaRPr lang="hr-HR"/>
           </a:p>
@@ -2645,7 +2645,7 @@
             <a:fld id="{FDC1A071-2A74-455A-A49A-8BB21E4AC2F6}" type="datetimeFigureOut">
               <a:rPr lang="sr-Latn-CS" smtClean="0"/>
               <a:pPr/>
-              <a:t>16.9.2019.</a:t>
+              <a:t>18.9.2019.</a:t>
             </a:fld>
             <a:endParaRPr lang="hr-HR"/>
           </a:p>
@@ -2950,7 +2950,7 @@
             <a:fld id="{FDC1A071-2A74-455A-A49A-8BB21E4AC2F6}" type="datetimeFigureOut">
               <a:rPr lang="sr-Latn-CS" smtClean="0"/>
               <a:pPr/>
-              <a:t>16.9.2019.</a:t>
+              <a:t>18.9.2019.</a:t>
             </a:fld>
             <a:endParaRPr lang="hr-HR"/>
           </a:p>
@@ -3228,7 +3228,7 @@
             <a:fld id="{FDC1A071-2A74-455A-A49A-8BB21E4AC2F6}" type="datetimeFigureOut">
               <a:rPr lang="sr-Latn-CS" smtClean="0"/>
               <a:pPr/>
-              <a:t>16.9.2019.</a:t>
+              <a:t>18.9.2019.</a:t>
             </a:fld>
             <a:endParaRPr lang="hr-HR"/>
           </a:p>
@@ -3804,7 +3804,7 @@
         <p:spPr>
           <a:xfrm>
             <a:off x="1371600" y="5365799"/>
-            <a:ext cx="6400800" cy="1447577"/>
+            <a:ext cx="6400800" cy="583481"/>
           </a:xfrm>
         </p:spPr>
         <p:txBody>
@@ -3815,8 +3815,13 @@
           <a:p>
             <a:r>
               <a:rPr lang="hr-HR" sz="2400" dirty="0" smtClean="0"/>
-              <a:t>Organizacija poslovanja poduzeća u ugostiteljstvu</a:t>
-            </a:r>
+              <a:t>Organizacija poslovanja </a:t>
+            </a:r>
+            <a:r>
+              <a:rPr lang="hr-HR" sz="2400" dirty="0"/>
+              <a:t>ugostiteljskih poduzeća </a:t>
+            </a:r>
+            <a:endParaRPr lang="hr-HR" sz="2400" dirty="0" smtClean="0"/>
           </a:p>
         </p:txBody>
       </p:sp>
@@ -3825,13 +3830,13 @@
   <p:clrMapOvr>
     <a:masterClrMapping/>
   </p:clrMapOvr>
-  <mc:AlternateContent xmlns:mc="http://schemas.openxmlformats.org/markup-compatibility/2006" xmlns:p14="http://schemas.microsoft.com/office/powerpoint/2010/main">
-    <mc:Choice Requires="p14">
+  <mc:AlternateContent xmlns:mc="http://schemas.openxmlformats.org/markup-compatibility/2006">
+    <mc:Choice xmlns:p14="http://schemas.microsoft.com/office/powerpoint/2010/main" Requires="p14">
       <p:transition>
         <p14:reveal/>
       </p:transition>
     </mc:Choice>
-    <mc:Fallback xmlns="">
+    <mc:Fallback>
       <p:transition>
         <p:fade/>
       </p:transition>
@@ -3899,8 +3904,8 @@
         </p:nvSpPr>
         <p:spPr>
           <a:xfrm>
-            <a:off x="107504" y="764704"/>
-            <a:ext cx="9145016" cy="6093296"/>
+            <a:off x="-23812" y="764704"/>
+            <a:ext cx="9289032" cy="6093296"/>
           </a:xfrm>
         </p:spPr>
         <p:txBody>
@@ -3915,7 +3920,15 @@
             </a:r>
             <a:r>
               <a:rPr lang="hr-HR" sz="2200" dirty="0"/>
-              <a:t>: kuhinja, šank, konobari i ubacivač gostiju</a:t>
+              <a:t>: kuhinja, šank, </a:t>
+            </a:r>
+            <a:r>
+              <a:rPr lang="hr-HR" sz="2200" dirty="0" smtClean="0"/>
+              <a:t>blagovaonica (terasa) i </a:t>
+            </a:r>
+            <a:r>
+              <a:rPr lang="hr-HR" sz="2200" dirty="0"/>
+              <a:t>ubacivač gostiju</a:t>
             </a:r>
           </a:p>
           <a:p>
@@ -3954,15 +3967,40 @@
             </a:r>
             <a:r>
               <a:rPr lang="hr-HR" sz="2200" dirty="0"/>
-              <a:t> – 2 šankera (rad u smjenama)</a:t>
+              <a:t> – 2 </a:t>
+            </a:r>
+            <a:r>
+              <a:rPr lang="hr-HR" sz="2400" dirty="0"/>
+              <a:t>konobara za šankom </a:t>
+            </a:r>
+            <a:r>
+              <a:rPr lang="hr-HR" sz="2200" dirty="0" smtClean="0"/>
+              <a:t>(</a:t>
+            </a:r>
+            <a:r>
+              <a:rPr lang="hr-HR" sz="2200" dirty="0"/>
+              <a:t>rad u smjenama)</a:t>
             </a:r>
           </a:p>
           <a:p>
             <a:pPr lvl="1"/>
             <a:r>
               <a:rPr lang="hr-HR" sz="2000" dirty="0"/>
-              <a:t>svaki šanker je zadužen za piće</a:t>
-            </a:r>
+              <a:t>svaki </a:t>
+            </a:r>
+            <a:r>
+              <a:rPr lang="hr-HR" sz="2000" dirty="0" smtClean="0"/>
+              <a:t>konobar je </a:t>
+            </a:r>
+            <a:r>
+              <a:rPr lang="hr-HR" sz="2000" dirty="0"/>
+              <a:t>zadužen za </a:t>
+            </a:r>
+            <a:r>
+              <a:rPr lang="hr-HR" sz="2000" dirty="0" smtClean="0"/>
+              <a:t>pića</a:t>
+            </a:r>
+            <a:endParaRPr lang="hr-HR" sz="2000" dirty="0"/>
           </a:p>
           <a:p>
             <a:pPr lvl="1"/>
@@ -3975,7 +4013,15 @@
             <a:pPr lvl="1"/>
             <a:r>
               <a:rPr lang="hr-HR" sz="2000" dirty="0"/>
-              <a:t>glavni šanker vodi evidenciju o piću i izvještava voditelja restorana o nabavi</a:t>
+              <a:t>glavni </a:t>
+            </a:r>
+            <a:r>
+              <a:rPr lang="hr-HR" sz="2000" dirty="0" smtClean="0"/>
+              <a:t>konobar vodi </a:t>
+            </a:r>
+            <a:r>
+              <a:rPr lang="hr-HR" sz="2000" dirty="0"/>
+              <a:t>evidenciju o piću i izvještava voditelja restorana o nabavi</a:t>
             </a:r>
           </a:p>
           <a:p>
@@ -3985,12 +4031,16 @@
               </a:spcBef>
             </a:pPr>
             <a:r>
-              <a:rPr lang="hr-HR" sz="2200" b="1" dirty="0"/>
-              <a:t>Konobari</a:t>
+              <a:rPr lang="hr-HR" sz="2200" b="1" dirty="0" smtClean="0"/>
+              <a:t>Blagovaonica (terasa) </a:t>
+            </a:r>
+            <a:r>
+              <a:rPr lang="hr-HR" sz="2200" dirty="0" smtClean="0"/>
+              <a:t>– 3 </a:t>
             </a:r>
             <a:r>
               <a:rPr lang="hr-HR" sz="2200" dirty="0"/>
-              <a:t> –  3 konobara (broj konobara ovisi o broju </a:t>
+              <a:t>konobara (broj konobara ovisi o broju </a:t>
             </a:r>
             <a:r>
               <a:rPr lang="hr-HR" sz="2200" dirty="0" smtClean="0"/>
@@ -4985,7 +5035,7 @@
         </p:nvSpPr>
         <p:spPr>
           <a:xfrm>
-            <a:off x="35496" y="764704"/>
+            <a:off x="-36512" y="764704"/>
             <a:ext cx="9145016" cy="6093296"/>
           </a:xfrm>
         </p:spPr>
@@ -4996,12 +5046,8 @@
           <a:lstStyle/>
           <a:p>
             <a:r>
-              <a:rPr lang="hr-HR" sz="2000" b="1" dirty="0" err="1"/>
-              <a:t>Ubacivač</a:t>
-            </a:r>
-            <a:r>
               <a:rPr lang="hr-HR" sz="2000" b="1" dirty="0"/>
-              <a:t> gostiju</a:t>
+              <a:t>Ubacivač gostiju</a:t>
             </a:r>
             <a:r>
               <a:rPr lang="hr-HR" sz="2000" dirty="0"/>
@@ -5127,15 +5173,7 @@
             </a:pPr>
             <a:r>
               <a:rPr lang="hr-HR" sz="1800" dirty="0"/>
-              <a:t>ne praviti razlike među djelatnicima (</a:t>
-            </a:r>
-            <a:r>
-              <a:rPr lang="hr-HR" sz="1800" dirty="0" err="1"/>
-              <a:t>npr</a:t>
-            </a:r>
-            <a:r>
-              <a:rPr lang="hr-HR" sz="1800" dirty="0"/>
-              <a:t>. jedan konobar može raditi što ga je volja, dok drugi ne)</a:t>
+              <a:t>ne praviti razlike među djelatnicima (npr. jedan konobar može raditi što ga je volja, dok drugi ne)</a:t>
             </a:r>
           </a:p>
           <a:p>
@@ -5146,15 +5184,7 @@
             </a:pPr>
             <a:r>
               <a:rPr lang="hr-HR" sz="1800" dirty="0"/>
-              <a:t>potrebno je </a:t>
-            </a:r>
-            <a:r>
-              <a:rPr lang="hr-HR" sz="1800" dirty="0" err="1"/>
-              <a:t>maksimizirati</a:t>
-            </a:r>
-            <a:r>
-              <a:rPr lang="hr-HR" sz="1800" dirty="0"/>
-              <a:t> učinak svakog djelatnika, ovisno o njegovim sposobnostima</a:t>
+              <a:t>potrebno je maksimizirati učinak svakog djelatnika, ovisno o njegovim sposobnostima</a:t>
             </a:r>
           </a:p>
           <a:p>
@@ -7004,11 +7034,15 @@
             </a:pPr>
             <a:r>
               <a:rPr lang="hr-HR" dirty="0" smtClean="0"/>
-              <a:t>formalna organizacija se </a:t>
-            </a:r>
-            <a:r>
-              <a:rPr lang="hr-HR" u="sng" dirty="0" smtClean="0"/>
-              <a:t>temelji na stvarnim potrebama i iskustvu iz prošlih vremena</a:t>
+              <a:t>formalna organizacija se temelji na </a:t>
+            </a:r>
+            <a:r>
+              <a:rPr lang="hr-HR" b="1" dirty="0" smtClean="0">
+                <a:solidFill>
+                  <a:srgbClr val="FF0000"/>
+                </a:solidFill>
+              </a:rPr>
+              <a:t>stvarnim potrebama i iskustvu iz prošlih vremena</a:t>
             </a:r>
           </a:p>
           <a:p>
@@ -7403,7 +7437,35 @@
             </a:pPr>
             <a:r>
               <a:rPr lang="hr-HR" dirty="0" smtClean="0"/>
-              <a:t>provode je voditelji odjela, kuhinje, blagovaonice, recepcije i dr.</a:t>
+              <a:t>provode je </a:t>
+            </a:r>
+            <a:r>
+              <a:rPr lang="hr-HR" b="1" dirty="0" smtClean="0">
+                <a:solidFill>
+                  <a:srgbClr val="FF0000"/>
+                </a:solidFill>
+              </a:rPr>
+              <a:t>voditelji odjela</a:t>
+            </a:r>
+            <a:r>
+              <a:rPr lang="hr-HR" b="1" dirty="0">
+                <a:solidFill>
+                  <a:srgbClr val="FF0000"/>
+                </a:solidFill>
+              </a:rPr>
+              <a:t> </a:t>
+            </a:r>
+            <a:r>
+              <a:rPr lang="hr-HR" i="1" dirty="0" smtClean="0"/>
+              <a:t>(kuhinje, blagovaonice, recepcije i </a:t>
+            </a:r>
+            <a:r>
+              <a:rPr lang="hr-HR" i="1" dirty="0" err="1" smtClean="0"/>
+              <a:t>dr</a:t>
+            </a:r>
+            <a:r>
+              <a:rPr lang="hr-HR" i="1" dirty="0" smtClean="0"/>
+              <a:t>.)</a:t>
             </a:r>
           </a:p>
           <a:p>
@@ -7414,7 +7476,15 @@
             </a:pPr>
             <a:r>
               <a:rPr lang="hr-HR" dirty="0" smtClean="0"/>
-              <a:t>nazivaju se i „improviziranim organizacijama posla”</a:t>
+              <a:t>nazivaju se i „</a:t>
+            </a:r>
+            <a:r>
+              <a:rPr lang="hr-HR" b="1" dirty="0" smtClean="0"/>
+              <a:t>improviziranim organizacijama posla</a:t>
+            </a:r>
+            <a:r>
+              <a:rPr lang="hr-HR" dirty="0" smtClean="0"/>
+              <a:t>”</a:t>
             </a:r>
           </a:p>
           <a:p>
@@ -8368,13 +8438,13 @@
   <p:clrMapOvr>
     <a:masterClrMapping/>
   </p:clrMapOvr>
-  <mc:AlternateContent xmlns:mc="http://schemas.openxmlformats.org/markup-compatibility/2006" xmlns:p14="http://schemas.microsoft.com/office/powerpoint/2010/main">
-    <mc:Choice Requires="p14">
+  <mc:AlternateContent xmlns:mc="http://schemas.openxmlformats.org/markup-compatibility/2006">
+    <mc:Choice xmlns:p14="http://schemas.microsoft.com/office/powerpoint/2010/main" Requires="p14">
       <p:transition>
         <p14:reveal/>
       </p:transition>
     </mc:Choice>
-    <mc:Fallback xmlns="">
+    <mc:Fallback>
       <p:transition>
         <p:fade/>
       </p:transition>
@@ -8536,13 +8606,8 @@
             </a:r>
             <a:r>
               <a:rPr lang="hr-HR" dirty="0" smtClean="0"/>
-              <a:t> – oruđe, alat, sprava, ali i dio ljudskog ili životinjskog </a:t>
-            </a:r>
-            <a:r>
-              <a:rPr lang="hr-HR" dirty="0" smtClean="0"/>
-              <a:t>tijela (organ)</a:t>
-            </a:r>
-            <a:endParaRPr lang="hr-HR" dirty="0" smtClean="0"/>
+              <a:t> – oruđe, alat, sprava, ali i dio ljudskog ili životinjskog tijela (organ)</a:t>
+            </a:r>
           </a:p>
           <a:p>
             <a:pPr lvl="0">
@@ -8674,13 +8739,13 @@
   <p:clrMapOvr>
     <a:masterClrMapping/>
   </p:clrMapOvr>
-  <mc:AlternateContent xmlns:mc="http://schemas.openxmlformats.org/markup-compatibility/2006" xmlns:p14="http://schemas.microsoft.com/office/powerpoint/2010/main">
-    <mc:Choice Requires="p14">
+  <mc:AlternateContent xmlns:mc="http://schemas.openxmlformats.org/markup-compatibility/2006">
+    <mc:Choice xmlns:p14="http://schemas.microsoft.com/office/powerpoint/2010/main" Requires="p14">
       <p:transition>
         <p14:reveal/>
       </p:transition>
     </mc:Choice>
-    <mc:Fallback xmlns="">
+    <mc:Fallback>
       <p:transition>
         <p:fade/>
       </p:transition>
@@ -9348,13 +9413,13 @@
   <p:clrMapOvr>
     <a:masterClrMapping/>
   </p:clrMapOvr>
-  <mc:AlternateContent xmlns:mc="http://schemas.openxmlformats.org/markup-compatibility/2006" xmlns:p14="http://schemas.microsoft.com/office/powerpoint/2010/main">
-    <mc:Choice Requires="p14">
+  <mc:AlternateContent xmlns:mc="http://schemas.openxmlformats.org/markup-compatibility/2006">
+    <mc:Choice xmlns:p14="http://schemas.microsoft.com/office/powerpoint/2010/main" Requires="p14">
       <p:transition>
         <p14:reveal/>
       </p:transition>
     </mc:Choice>
-    <mc:Fallback xmlns="">
+    <mc:Fallback>
       <p:transition>
         <p:fade/>
       </p:transition>
@@ -10057,13 +10122,13 @@
   <p:clrMapOvr>
     <a:masterClrMapping/>
   </p:clrMapOvr>
-  <mc:AlternateContent xmlns:mc="http://schemas.openxmlformats.org/markup-compatibility/2006" xmlns:p14="http://schemas.microsoft.com/office/powerpoint/2010/main">
-    <mc:Choice Requires="p14">
+  <mc:AlternateContent xmlns:mc="http://schemas.openxmlformats.org/markup-compatibility/2006">
+    <mc:Choice xmlns:p14="http://schemas.microsoft.com/office/powerpoint/2010/main" Requires="p14">
       <p:transition>
         <p14:reveal/>
       </p:transition>
     </mc:Choice>
-    <mc:Fallback xmlns="">
+    <mc:Fallback>
       <p:transition>
         <p:fade/>
       </p:transition>
@@ -10570,13 +10635,13 @@
   <p:clrMapOvr>
     <a:masterClrMapping/>
   </p:clrMapOvr>
-  <mc:AlternateContent xmlns:mc="http://schemas.openxmlformats.org/markup-compatibility/2006" xmlns:p14="http://schemas.microsoft.com/office/powerpoint/2010/main">
-    <mc:Choice Requires="p14">
+  <mc:AlternateContent xmlns:mc="http://schemas.openxmlformats.org/markup-compatibility/2006">
+    <mc:Choice xmlns:p14="http://schemas.microsoft.com/office/powerpoint/2010/main" Requires="p14">
       <p:transition>
         <p14:reveal/>
       </p:transition>
     </mc:Choice>
-    <mc:Fallback xmlns="">
+    <mc:Fallback>
       <p:transition>
         <p:fade/>
       </p:transition>
@@ -11374,13 +11439,13 @@
   <p:clrMapOvr>
     <a:masterClrMapping/>
   </p:clrMapOvr>
-  <mc:AlternateContent xmlns:mc="http://schemas.openxmlformats.org/markup-compatibility/2006" xmlns:p14="http://schemas.microsoft.com/office/powerpoint/2010/main">
-    <mc:Choice Requires="p14">
+  <mc:AlternateContent xmlns:mc="http://schemas.openxmlformats.org/markup-compatibility/2006">
+    <mc:Choice xmlns:p14="http://schemas.microsoft.com/office/powerpoint/2010/main" Requires="p14">
       <p:transition>
         <p14:reveal/>
       </p:transition>
     </mc:Choice>
-    <mc:Fallback xmlns="">
+    <mc:Fallback>
       <p:transition>
         <p:fade/>
       </p:transition>
@@ -12223,13 +12288,13 @@
   <p:clrMapOvr>
     <a:masterClrMapping/>
   </p:clrMapOvr>
-  <mc:AlternateContent xmlns:mc="http://schemas.openxmlformats.org/markup-compatibility/2006" xmlns:p14="http://schemas.microsoft.com/office/powerpoint/2010/main">
-    <mc:Choice Requires="p14">
+  <mc:AlternateContent xmlns:mc="http://schemas.openxmlformats.org/markup-compatibility/2006">
+    <mc:Choice xmlns:p14="http://schemas.microsoft.com/office/powerpoint/2010/main" Requires="p14">
       <p:transition>
         <p14:reveal/>
       </p:transition>
     </mc:Choice>
-    <mc:Fallback xmlns="">
+    <mc:Fallback>
       <p:transition>
         <p:fade/>
       </p:transition>

--- a/data/organizacija/001_Organizacija_uvod.pptx
+++ b/data/organizacija/001_Organizacija_uvod.pptx
@@ -209,7 +209,7 @@
             <a:fld id="{1542121D-D7BC-4175-A702-9B7BBD6019B1}" type="datetimeFigureOut">
               <a:rPr lang="sr-Latn-CS" smtClean="0"/>
               <a:pPr/>
-              <a:t>18.9.2019.</a:t>
+              <a:t>7.10.2019.</a:t>
             </a:fld>
             <a:endParaRPr lang="hr-HR"/>
           </a:p>
@@ -752,7 +752,7 @@
             <a:fld id="{FDC1A071-2A74-455A-A49A-8BB21E4AC2F6}" type="datetimeFigureOut">
               <a:rPr lang="sr-Latn-CS" smtClean="0"/>
               <a:pPr/>
-              <a:t>18.9.2019.</a:t>
+              <a:t>7.10.2019.</a:t>
             </a:fld>
             <a:endParaRPr lang="hr-HR"/>
           </a:p>
@@ -950,7 +950,7 @@
             <a:fld id="{FDC1A071-2A74-455A-A49A-8BB21E4AC2F6}" type="datetimeFigureOut">
               <a:rPr lang="sr-Latn-CS" smtClean="0"/>
               <a:pPr/>
-              <a:t>18.9.2019.</a:t>
+              <a:t>7.10.2019.</a:t>
             </a:fld>
             <a:endParaRPr lang="hr-HR"/>
           </a:p>
@@ -1151,7 +1151,7 @@
             <a:fld id="{FDC1A071-2A74-455A-A49A-8BB21E4AC2F6}" type="datetimeFigureOut">
               <a:rPr lang="sr-Latn-CS" smtClean="0"/>
               <a:pPr/>
-              <a:t>18.9.2019.</a:t>
+              <a:t>7.10.2019.</a:t>
             </a:fld>
             <a:endParaRPr lang="hr-HR"/>
           </a:p>
@@ -1610,7 +1610,7 @@
             <a:fld id="{FDC1A071-2A74-455A-A49A-8BB21E4AC2F6}" type="datetimeFigureOut">
               <a:rPr lang="sr-Latn-CS" smtClean="0"/>
               <a:pPr/>
-              <a:t>18.9.2019.</a:t>
+              <a:t>7.10.2019.</a:t>
             </a:fld>
             <a:endParaRPr lang="hr-HR"/>
           </a:p>
@@ -1926,7 +1926,7 @@
             <a:fld id="{FDC1A071-2A74-455A-A49A-8BB21E4AC2F6}" type="datetimeFigureOut">
               <a:rPr lang="sr-Latn-CS" smtClean="0"/>
               <a:pPr/>
-              <a:t>18.9.2019.</a:t>
+              <a:t>7.10.2019.</a:t>
             </a:fld>
             <a:endParaRPr lang="hr-HR"/>
           </a:p>
@@ -2376,7 +2376,7 @@
             <a:fld id="{FDC1A071-2A74-455A-A49A-8BB21E4AC2F6}" type="datetimeFigureOut">
               <a:rPr lang="sr-Latn-CS" smtClean="0"/>
               <a:pPr/>
-              <a:t>18.9.2019.</a:t>
+              <a:t>7.10.2019.</a:t>
             </a:fld>
             <a:endParaRPr lang="hr-HR"/>
           </a:p>
@@ -2522,7 +2522,7 @@
             <a:fld id="{FDC1A071-2A74-455A-A49A-8BB21E4AC2F6}" type="datetimeFigureOut">
               <a:rPr lang="sr-Latn-CS" smtClean="0"/>
               <a:pPr/>
-              <a:t>18.9.2019.</a:t>
+              <a:t>7.10.2019.</a:t>
             </a:fld>
             <a:endParaRPr lang="hr-HR"/>
           </a:p>
@@ -2645,7 +2645,7 @@
             <a:fld id="{FDC1A071-2A74-455A-A49A-8BB21E4AC2F6}" type="datetimeFigureOut">
               <a:rPr lang="sr-Latn-CS" smtClean="0"/>
               <a:pPr/>
-              <a:t>18.9.2019.</a:t>
+              <a:t>7.10.2019.</a:t>
             </a:fld>
             <a:endParaRPr lang="hr-HR"/>
           </a:p>
@@ -2950,7 +2950,7 @@
             <a:fld id="{FDC1A071-2A74-455A-A49A-8BB21E4AC2F6}" type="datetimeFigureOut">
               <a:rPr lang="sr-Latn-CS" smtClean="0"/>
               <a:pPr/>
-              <a:t>18.9.2019.</a:t>
+              <a:t>7.10.2019.</a:t>
             </a:fld>
             <a:endParaRPr lang="hr-HR"/>
           </a:p>
@@ -3228,7 +3228,7 @@
             <a:fld id="{FDC1A071-2A74-455A-A49A-8BB21E4AC2F6}" type="datetimeFigureOut">
               <a:rPr lang="sr-Latn-CS" smtClean="0"/>
               <a:pPr/>
-              <a:t>18.9.2019.</a:t>
+              <a:t>7.10.2019.</a:t>
             </a:fld>
             <a:endParaRPr lang="hr-HR"/>
           </a:p>
@@ -3830,13 +3830,13 @@
   <p:clrMapOvr>
     <a:masterClrMapping/>
   </p:clrMapOvr>
-  <mc:AlternateContent xmlns:mc="http://schemas.openxmlformats.org/markup-compatibility/2006">
-    <mc:Choice xmlns:p14="http://schemas.microsoft.com/office/powerpoint/2010/main" Requires="p14">
+  <mc:AlternateContent xmlns:mc="http://schemas.openxmlformats.org/markup-compatibility/2006" xmlns:p14="http://schemas.microsoft.com/office/powerpoint/2010/main">
+    <mc:Choice Requires="p14">
       <p:transition>
         <p14:reveal/>
       </p:transition>
     </mc:Choice>
-    <mc:Fallback>
+    <mc:Fallback xmlns="">
       <p:transition>
         <p:fade/>
       </p:transition>
@@ -8438,13 +8438,13 @@
   <p:clrMapOvr>
     <a:masterClrMapping/>
   </p:clrMapOvr>
-  <mc:AlternateContent xmlns:mc="http://schemas.openxmlformats.org/markup-compatibility/2006">
-    <mc:Choice xmlns:p14="http://schemas.microsoft.com/office/powerpoint/2010/main" Requires="p14">
+  <mc:AlternateContent xmlns:mc="http://schemas.openxmlformats.org/markup-compatibility/2006" xmlns:p14="http://schemas.microsoft.com/office/powerpoint/2010/main">
+    <mc:Choice Requires="p14">
       <p:transition>
         <p14:reveal/>
       </p:transition>
     </mc:Choice>
-    <mc:Fallback>
+    <mc:Fallback xmlns="">
       <p:transition>
         <p:fade/>
       </p:transition>
@@ -8739,13 +8739,13 @@
   <p:clrMapOvr>
     <a:masterClrMapping/>
   </p:clrMapOvr>
-  <mc:AlternateContent xmlns:mc="http://schemas.openxmlformats.org/markup-compatibility/2006">
-    <mc:Choice xmlns:p14="http://schemas.microsoft.com/office/powerpoint/2010/main" Requires="p14">
+  <mc:AlternateContent xmlns:mc="http://schemas.openxmlformats.org/markup-compatibility/2006" xmlns:p14="http://schemas.microsoft.com/office/powerpoint/2010/main">
+    <mc:Choice Requires="p14">
       <p:transition>
         <p14:reveal/>
       </p:transition>
     </mc:Choice>
-    <mc:Fallback>
+    <mc:Fallback xmlns="">
       <p:transition>
         <p:fade/>
       </p:transition>
@@ -9413,13 +9413,13 @@
   <p:clrMapOvr>
     <a:masterClrMapping/>
   </p:clrMapOvr>
-  <mc:AlternateContent xmlns:mc="http://schemas.openxmlformats.org/markup-compatibility/2006">
-    <mc:Choice xmlns:p14="http://schemas.microsoft.com/office/powerpoint/2010/main" Requires="p14">
+  <mc:AlternateContent xmlns:mc="http://schemas.openxmlformats.org/markup-compatibility/2006" xmlns:p14="http://schemas.microsoft.com/office/powerpoint/2010/main">
+    <mc:Choice Requires="p14">
       <p:transition>
         <p14:reveal/>
       </p:transition>
     </mc:Choice>
-    <mc:Fallback>
+    <mc:Fallback xmlns="">
       <p:transition>
         <p:fade/>
       </p:transition>
@@ -10122,13 +10122,13 @@
   <p:clrMapOvr>
     <a:masterClrMapping/>
   </p:clrMapOvr>
-  <mc:AlternateContent xmlns:mc="http://schemas.openxmlformats.org/markup-compatibility/2006">
-    <mc:Choice xmlns:p14="http://schemas.microsoft.com/office/powerpoint/2010/main" Requires="p14">
+  <mc:AlternateContent xmlns:mc="http://schemas.openxmlformats.org/markup-compatibility/2006" xmlns:p14="http://schemas.microsoft.com/office/powerpoint/2010/main">
+    <mc:Choice Requires="p14">
       <p:transition>
         <p14:reveal/>
       </p:transition>
     </mc:Choice>
-    <mc:Fallback>
+    <mc:Fallback xmlns="">
       <p:transition>
         <p:fade/>
       </p:transition>
@@ -10635,13 +10635,13 @@
   <p:clrMapOvr>
     <a:masterClrMapping/>
   </p:clrMapOvr>
-  <mc:AlternateContent xmlns:mc="http://schemas.openxmlformats.org/markup-compatibility/2006">
-    <mc:Choice xmlns:p14="http://schemas.microsoft.com/office/powerpoint/2010/main" Requires="p14">
+  <mc:AlternateContent xmlns:mc="http://schemas.openxmlformats.org/markup-compatibility/2006" xmlns:p14="http://schemas.microsoft.com/office/powerpoint/2010/main">
+    <mc:Choice Requires="p14">
       <p:transition>
         <p14:reveal/>
       </p:transition>
     </mc:Choice>
-    <mc:Fallback>
+    <mc:Fallback xmlns="">
       <p:transition>
         <p:fade/>
       </p:transition>
@@ -11439,13 +11439,13 @@
   <p:clrMapOvr>
     <a:masterClrMapping/>
   </p:clrMapOvr>
-  <mc:AlternateContent xmlns:mc="http://schemas.openxmlformats.org/markup-compatibility/2006">
-    <mc:Choice xmlns:p14="http://schemas.microsoft.com/office/powerpoint/2010/main" Requires="p14">
+  <mc:AlternateContent xmlns:mc="http://schemas.openxmlformats.org/markup-compatibility/2006" xmlns:p14="http://schemas.microsoft.com/office/powerpoint/2010/main">
+    <mc:Choice Requires="p14">
       <p:transition>
         <p14:reveal/>
       </p:transition>
     </mc:Choice>
-    <mc:Fallback>
+    <mc:Fallback xmlns="">
       <p:transition>
         <p:fade/>
       </p:transition>
@@ -11935,8 +11935,8 @@
           <a:p>
             <a:pPr algn="ctr"/>
             <a:r>
-              <a:rPr lang="hr-HR" sz="2000" b="1" dirty="0" smtClean="0"/>
-              <a:t>ORGANIZIRANJE SVAKOG RADNOG MJESTA</a:t>
+              <a:rPr lang="hr-HR" sz="2000" b="1" dirty="0"/>
+              <a:t>ORGANIZIRANJE SVAKOG RADNOG MJESTA U ODJELU</a:t>
             </a:r>
             <a:endParaRPr lang="hr-HR" sz="2000" b="1" dirty="0"/>
           </a:p>
@@ -12288,13 +12288,13 @@
   <p:clrMapOvr>
     <a:masterClrMapping/>
   </p:clrMapOvr>
-  <mc:AlternateContent xmlns:mc="http://schemas.openxmlformats.org/markup-compatibility/2006">
-    <mc:Choice xmlns:p14="http://schemas.microsoft.com/office/powerpoint/2010/main" Requires="p14">
+  <mc:AlternateContent xmlns:mc="http://schemas.openxmlformats.org/markup-compatibility/2006" xmlns:p14="http://schemas.microsoft.com/office/powerpoint/2010/main">
+    <mc:Choice Requires="p14">
       <p:transition>
         <p14:reveal/>
       </p:transition>
     </mc:Choice>
-    <mc:Fallback>
+    <mc:Fallback xmlns="">
       <p:transition>
         <p:fade/>
       </p:transition>
@@ -13152,8 +13152,8 @@
           <a:p>
             <a:pPr algn="ctr"/>
             <a:r>
-              <a:rPr lang="hr-HR" sz="2000" b="1" dirty="0" smtClean="0"/>
-              <a:t>ORGANIZIRANJE SVAKOG RADNOG MJESTA</a:t>
+              <a:rPr lang="hr-HR" sz="2000" b="1" dirty="0"/>
+              <a:t>ORGANIZIRANJE SVAKOG RADNOG MJESTA U ODJELU</a:t>
             </a:r>
             <a:endParaRPr lang="hr-HR" sz="2000" b="1" dirty="0"/>
           </a:p>
